--- a/Documentação/Projeto Individual.pptx
+++ b/Documentação/Projeto Individual.pptx
@@ -233,7 +233,7 @@
             <a:pPr rtl="0"/>
             <a:fld id="{DA2716EA-C0E0-4C9F-8893-2AE5046AE48B}" type="datetime1">
               <a:rPr lang="pt-BR" smtClean="0"/>
-              <a:t>05/06/2022</a:t>
+              <a:t>06/06/2022</a:t>
             </a:fld>
             <a:endParaRPr lang="pt-BR"/>
           </a:p>
@@ -415,7 +415,7 @@
             <a:fld id="{137D7717-0015-46A9-B3CC-4D0B256EA761}" type="datetime1">
               <a:rPr lang="pt-BR" smtClean="0"/>
               <a:pPr/>
-              <a:t>05/06/2022</a:t>
+              <a:t>06/06/2022</a:t>
             </a:fld>
             <a:endParaRPr lang="pt-BR" dirty="0"/>
           </a:p>
@@ -1141,7 +1141,7 @@
             <a:pPr rtl="0"/>
             <a:fld id="{8305EB6C-0A76-4C55-9114-AEBCE741A889}" type="datetime1">
               <a:rPr lang="pt-BR" noProof="0" smtClean="0"/>
-              <a:t>05/06/2022</a:t>
+              <a:t>06/06/2022</a:t>
             </a:fld>
             <a:endParaRPr lang="pt-BR" noProof="0"/>
           </a:p>
@@ -1426,7 +1426,7 @@
             <a:pPr rtl="0"/>
             <a:fld id="{F5DE2BB6-8649-41E7-8E36-77A8E1D0557F}" type="datetime1">
               <a:rPr lang="pt-BR" noProof="0" smtClean="0"/>
-              <a:t>05/06/2022</a:t>
+              <a:t>06/06/2022</a:t>
             </a:fld>
             <a:endParaRPr lang="pt-BR" noProof="0"/>
           </a:p>
@@ -1622,7 +1622,7 @@
             <a:pPr rtl="0"/>
             <a:fld id="{34CA2B3D-47D5-475F-9C0B-4EA3140F31A4}" type="datetime1">
               <a:rPr lang="pt-BR" noProof="0" smtClean="0"/>
-              <a:t>05/06/2022</a:t>
+              <a:t>06/06/2022</a:t>
             </a:fld>
             <a:endParaRPr lang="pt-BR" noProof="0"/>
           </a:p>
@@ -1888,7 +1888,7 @@
             <a:pPr rtl="0"/>
             <a:fld id="{34CA2B3D-47D5-475F-9C0B-4EA3140F31A4}" type="datetime1">
               <a:rPr lang="pt-BR" noProof="0" smtClean="0"/>
-              <a:t>05/06/2022</a:t>
+              <a:t>06/06/2022</a:t>
             </a:fld>
             <a:endParaRPr lang="pt-BR" noProof="0"/>
           </a:p>
@@ -2319,7 +2319,7 @@
             <a:pPr rtl="0"/>
             <a:fld id="{34CA2B3D-47D5-475F-9C0B-4EA3140F31A4}" type="datetime1">
               <a:rPr lang="pt-BR" noProof="0" smtClean="0"/>
-              <a:t>05/06/2022</a:t>
+              <a:t>06/06/2022</a:t>
             </a:fld>
             <a:endParaRPr lang="pt-BR" noProof="0"/>
           </a:p>
@@ -2870,7 +2870,7 @@
             <a:pPr rtl="0"/>
             <a:fld id="{34CA2B3D-47D5-475F-9C0B-4EA3140F31A4}" type="datetime1">
               <a:rPr lang="pt-BR" noProof="0" smtClean="0"/>
-              <a:t>05/06/2022</a:t>
+              <a:t>06/06/2022</a:t>
             </a:fld>
             <a:endParaRPr lang="pt-BR" noProof="0"/>
           </a:p>
@@ -3706,7 +3706,7 @@
             <a:pPr rtl="0"/>
             <a:fld id="{34CA2B3D-47D5-475F-9C0B-4EA3140F31A4}" type="datetime1">
               <a:rPr lang="pt-BR" noProof="0" smtClean="0"/>
-              <a:t>05/06/2022</a:t>
+              <a:t>06/06/2022</a:t>
             </a:fld>
             <a:endParaRPr lang="pt-BR" noProof="0"/>
           </a:p>
@@ -3881,7 +3881,7 @@
             <a:pPr rtl="0"/>
             <a:fld id="{8AE008AF-9474-4193-86B2-2A50BFEFC837}" type="datetime1">
               <a:rPr lang="pt-BR" noProof="0" smtClean="0"/>
-              <a:t>05/06/2022</a:t>
+              <a:t>06/06/2022</a:t>
             </a:fld>
             <a:endParaRPr lang="pt-BR" noProof="0"/>
           </a:p>
@@ -4064,7 +4064,7 @@
             <a:pPr rtl="0"/>
             <a:fld id="{9D961F71-2137-4697-90D0-6844DAA85C3E}" type="datetime1">
               <a:rPr lang="pt-BR" noProof="0" smtClean="0"/>
-              <a:t>05/06/2022</a:t>
+              <a:t>06/06/2022</a:t>
             </a:fld>
             <a:endParaRPr lang="pt-BR" noProof="0"/>
           </a:p>
@@ -4237,7 +4237,7 @@
             <a:pPr rtl="0"/>
             <a:fld id="{4A2667F6-ED5A-4487-81A6-22B06AC2E96D}" type="datetime1">
               <a:rPr lang="pt-BR" noProof="0" smtClean="0"/>
-              <a:t>05/06/2022</a:t>
+              <a:t>06/06/2022</a:t>
             </a:fld>
             <a:endParaRPr lang="pt-BR" noProof="0"/>
           </a:p>
@@ -4497,7 +4497,7 @@
             <a:pPr rtl="0"/>
             <a:fld id="{E5EFCD36-051D-4035-8751-4A89CB019E57}" type="datetime1">
               <a:rPr lang="pt-BR" noProof="0" smtClean="0"/>
-              <a:t>05/06/2022</a:t>
+              <a:t>06/06/2022</a:t>
             </a:fld>
             <a:endParaRPr lang="pt-BR" noProof="0"/>
           </a:p>
@@ -4733,7 +4733,7 @@
             <a:pPr rtl="0"/>
             <a:fld id="{34CA2B3D-47D5-475F-9C0B-4EA3140F31A4}" type="datetime1">
               <a:rPr lang="pt-BR" noProof="0" smtClean="0"/>
-              <a:t>05/06/2022</a:t>
+              <a:t>06/06/2022</a:t>
             </a:fld>
             <a:endParaRPr lang="pt-BR" noProof="0"/>
           </a:p>
@@ -5131,7 +5131,7 @@
             <a:pPr rtl="0"/>
             <a:fld id="{577AD5B1-1085-4C50-A4AC-ADCF3F641FF3}" type="datetime1">
               <a:rPr lang="pt-BR" noProof="0" smtClean="0"/>
-              <a:t>05/06/2022</a:t>
+              <a:t>06/06/2022</a:t>
             </a:fld>
             <a:endParaRPr lang="pt-BR" noProof="0"/>
           </a:p>
@@ -5252,7 +5252,7 @@
             <a:pPr rtl="0"/>
             <a:fld id="{B12EE9E6-29B3-4F0F-9541-16EF4C40DDAE}" type="datetime1">
               <a:rPr lang="pt-BR" noProof="0" smtClean="0"/>
-              <a:t>05/06/2022</a:t>
+              <a:t>06/06/2022</a:t>
             </a:fld>
             <a:endParaRPr lang="pt-BR" noProof="0"/>
           </a:p>
@@ -5350,7 +5350,7 @@
             <a:pPr rtl="0"/>
             <a:fld id="{34CA2B3D-47D5-475F-9C0B-4EA3140F31A4}" type="datetime1">
               <a:rPr lang="pt-BR" noProof="0" smtClean="0"/>
-              <a:t>05/06/2022</a:t>
+              <a:t>06/06/2022</a:t>
             </a:fld>
             <a:endParaRPr lang="pt-BR" noProof="0"/>
           </a:p>
@@ -5628,7 +5628,7 @@
             <a:pPr rtl="0"/>
             <a:fld id="{55F66C81-6B32-4C2A-B66D-48EB10E66F65}" type="datetime1">
               <a:rPr lang="pt-BR" noProof="0" smtClean="0"/>
-              <a:t>05/06/2022</a:t>
+              <a:t>06/06/2022</a:t>
             </a:fld>
             <a:endParaRPr lang="pt-BR" noProof="0"/>
           </a:p>
@@ -5913,7 +5913,7 @@
             <a:pPr rtl="0"/>
             <a:fld id="{790335F7-F78C-4176-B84C-23586D6A1FCB}" type="datetime1">
               <a:rPr lang="pt-BR" noProof="0" smtClean="0"/>
-              <a:t>05/06/2022</a:t>
+              <a:t>06/06/2022</a:t>
             </a:fld>
             <a:endParaRPr lang="pt-BR" noProof="0"/>
           </a:p>
@@ -6157,7 +6157,7 @@
             <a:pPr rtl="0"/>
             <a:fld id="{34CA2B3D-47D5-475F-9C0B-4EA3140F31A4}" type="datetime1">
               <a:rPr lang="pt-BR" noProof="0" smtClean="0"/>
-              <a:t>05/06/2022</a:t>
+              <a:t>06/06/2022</a:t>
             </a:fld>
             <a:endParaRPr lang="pt-BR" noProof="0"/>
           </a:p>
@@ -7490,32 +7490,49 @@
       </p:sp>
       <p:pic>
         <p:nvPicPr>
-          <p:cNvPr id="4" name="Imagem 3">
+          <p:cNvPr id="1026" name="Picture 2">
             <a:extLst>
               <a:ext uri="{FF2B5EF4-FFF2-40B4-BE49-F238E27FC236}">
-                <a16:creationId xmlns:a16="http://schemas.microsoft.com/office/drawing/2014/main" id="{89D09E58-04D1-044B-05F5-ED80D2576D60}"/>
+                <a16:creationId xmlns:a16="http://schemas.microsoft.com/office/drawing/2014/main" id="{FBFECBDE-45F3-1649-18DE-D0A5BFD0CBA9}"/>
               </a:ext>
             </a:extLst>
           </p:cNvPr>
           <p:cNvPicPr>
-            <a:picLocks noChangeAspect="1"/>
+            <a:picLocks noChangeAspect="1" noChangeArrowheads="1"/>
           </p:cNvPicPr>
           <p:nvPr/>
         </p:nvPicPr>
         <p:blipFill>
-          <a:blip r:embed="rId2"/>
+          <a:blip r:embed="rId2">
+            <a:extLst>
+              <a:ext uri="{28A0092B-C50C-407E-A947-70E740481C1C}">
+                <a14:useLocalDpi xmlns:a14="http://schemas.microsoft.com/office/drawing/2010/main" val="0"/>
+              </a:ext>
+            </a:extLst>
+          </a:blip>
+          <a:srcRect/>
           <a:stretch>
             <a:fillRect/>
           </a:stretch>
         </p:blipFill>
-        <p:spPr>
+        <p:spPr bwMode="auto">
           <a:xfrm>
-            <a:off x="1038456" y="1271351"/>
-            <a:ext cx="9951302" cy="5341707"/>
+            <a:off x="1011546" y="1271351"/>
+            <a:ext cx="9810509" cy="5515627"/>
           </a:xfrm>
           <a:prstGeom prst="rect">
             <a:avLst/>
           </a:prstGeom>
+          <a:noFill/>
+          <a:extLst>
+            <a:ext uri="{909E8E84-426E-40DD-AFC4-6F175D3DCCD1}">
+              <a14:hiddenFill xmlns:a14="http://schemas.microsoft.com/office/drawing/2010/main">
+                <a:solidFill>
+                  <a:srgbClr val="FFFFFF"/>
+                </a:solidFill>
+              </a14:hiddenFill>
+            </a:ext>
+          </a:extLst>
         </p:spPr>
       </p:pic>
     </p:spTree>
@@ -7562,7 +7579,7 @@
         </p:nvSpPr>
         <p:spPr>
           <a:xfrm>
-            <a:off x="1350822" y="488270"/>
+            <a:off x="960205" y="488270"/>
             <a:ext cx="3598415" cy="1200329"/>
           </a:xfrm>
           <a:prstGeom prst="rect">
@@ -7599,8 +7616,8 @@
         </p:nvSpPr>
         <p:spPr>
           <a:xfrm>
-            <a:off x="960205" y="2157274"/>
-            <a:ext cx="4464054" cy="4212456"/>
+            <a:off x="960205" y="2636667"/>
+            <a:ext cx="4464054" cy="3062797"/>
           </a:xfrm>
           <a:prstGeom prst="rect">
             <a:avLst/>
@@ -7895,15 +7912,6 @@
             <a:endParaRPr lang="pt-BR" dirty="0"/>
           </a:p>
           <a:p>
-            <a:r>
-              <a:rPr lang="pt-BR" dirty="0"/>
-              <a:t>Chart.js</a:t>
-            </a:r>
-          </a:p>
-          <a:p>
-            <a:endParaRPr lang="pt-BR" dirty="0"/>
-          </a:p>
-          <a:p>
             <a:pPr marL="0" indent="0">
               <a:buFont typeface="Arial" panose="020B0604020202020204" pitchFamily="34" charset="0"/>
               <a:buNone/>
@@ -7926,7 +7934,7 @@
         </p:nvSpPr>
         <p:spPr>
           <a:xfrm>
-            <a:off x="7303030" y="493628"/>
+            <a:off x="6767743" y="609037"/>
             <a:ext cx="3538148" cy="1200329"/>
           </a:xfrm>
           <a:prstGeom prst="rect">
@@ -7963,8 +7971,8 @@
         </p:nvSpPr>
         <p:spPr>
           <a:xfrm>
-            <a:off x="6767743" y="2151916"/>
-            <a:ext cx="4464054" cy="4212456"/>
+            <a:off x="6767743" y="2636665"/>
+            <a:ext cx="4464054" cy="2769836"/>
           </a:xfrm>
           <a:prstGeom prst="rect">
             <a:avLst/>
@@ -9243,15 +9251,6 @@
 </file>
 
 <file path=customXml/item2.xml><?xml version="1.0" encoding="utf-8"?>
-<?mso-contentType ?>
-<FormTemplates xmlns="http://schemas.microsoft.com/sharepoint/v3/contenttype/forms">
-  <Display>DocumentLibraryForm</Display>
-  <Edit>DocumentLibraryForm</Edit>
-  <New>DocumentLibraryForm</New>
-</FormTemplates>
-</file>
-
-<file path=customXml/item3.xml><?xml version="1.0" encoding="utf-8"?>
 <ct:contentTypeSchema xmlns:ct="http://schemas.microsoft.com/office/2006/metadata/contentType" xmlns:ma="http://schemas.microsoft.com/office/2006/metadata/properties/metaAttributes" ct:_="" ma:_="" ma:contentTypeName="Document" ma:contentTypeID="0x01010079F111ED35F8CC479449609E8A0923A6" ma:contentTypeVersion="12" ma:contentTypeDescription="Create a new document." ma:contentTypeScope="" ma:versionID="93813dd7ca6ad654711aa0ab317e03a3">
   <xsd:schema xmlns:xsd="http://www.w3.org/2001/XMLSchema" xmlns:xs="http://www.w3.org/2001/XMLSchema" xmlns:p="http://schemas.microsoft.com/office/2006/metadata/properties" xmlns:ns2="71af3243-3dd4-4a8d-8c0d-dd76da1f02a5" xmlns:ns3="16c05727-aa75-4e4a-9b5f-8a80a1165891" targetNamespace="http://schemas.microsoft.com/office/2006/metadata/properties" ma:root="true" ma:fieldsID="f11dc0ce689dd3925e84e4e35398c6e7" ns2:_="" ns3:_="">
     <xsd:import namespace="71af3243-3dd4-4a8d-8c0d-dd76da1f02a5"/>
@@ -9472,6 +9471,15 @@
 </ct:contentTypeSchema>
 </file>
 
+<file path=customXml/item3.xml><?xml version="1.0" encoding="utf-8"?>
+<?mso-contentType ?>
+<FormTemplates xmlns="http://schemas.microsoft.com/sharepoint/v3/contenttype/forms">
+  <Display>DocumentLibraryForm</Display>
+  <Edit>DocumentLibraryForm</Edit>
+  <New>DocumentLibraryForm</New>
+</FormTemplates>
+</file>
+
 <file path=customXml/itemProps1.xml><?xml version="1.0" encoding="utf-8"?>
 <ds:datastoreItem xmlns:ds="http://schemas.openxmlformats.org/officeDocument/2006/customXml" ds:itemID="{1F08B90B-70ED-4539-9C14-FB2728D9064F}">
   <ds:schemaRefs>
@@ -9483,14 +9491,6 @@
 </file>
 
 <file path=customXml/itemProps2.xml><?xml version="1.0" encoding="utf-8"?>
-<ds:datastoreItem xmlns:ds="http://schemas.openxmlformats.org/officeDocument/2006/customXml" ds:itemID="{A0D51BCB-0419-432E-B7F1-25548446A625}">
-  <ds:schemaRefs>
-    <ds:schemaRef ds:uri="http://schemas.microsoft.com/sharepoint/v3/contenttype/forms"/>
-  </ds:schemaRefs>
-</ds:datastoreItem>
-</file>
-
-<file path=customXml/itemProps3.xml><?xml version="1.0" encoding="utf-8"?>
 <ds:datastoreItem xmlns:ds="http://schemas.openxmlformats.org/officeDocument/2006/customXml" ds:itemID="{9E8D3305-1D9D-4BC8-A40F-6F8AE50BD76B}">
   <ds:schemaRefs>
     <ds:schemaRef ds:uri="http://schemas.microsoft.com/office/2006/metadata/contentType"/>
@@ -9507,4 +9507,12 @@
     <ds:schemaRef ds:uri="http://schemas.microsoft.com/internal/obd"/>
   </ds:schemaRefs>
 </ds:datastoreItem>
+</file>
+
+<file path=customXml/itemProps3.xml><?xml version="1.0" encoding="utf-8"?>
+<ds:datastoreItem xmlns:ds="http://schemas.openxmlformats.org/officeDocument/2006/customXml" ds:itemID="{A0D51BCB-0419-432E-B7F1-25548446A625}">
+  <ds:schemaRefs>
+    <ds:schemaRef ds:uri="http://schemas.microsoft.com/sharepoint/v3/contenttype/forms"/>
+  </ds:schemaRefs>
+</ds:datastoreItem>
 </file>